--- a/Slides/PH223_Lecture_44.pptx
+++ b/Slides/PH223_Lecture_44.pptx
@@ -5,7 +5,7 @@
     <p:sldMasterId id="2147483648" r:id="rId1"/>
   </p:sldMasterIdLst>
   <p:notesMasterIdLst>
-    <p:notesMasterId r:id="rId45"/>
+    <p:notesMasterId r:id="rId46"/>
   </p:notesMasterIdLst>
   <p:sldIdLst>
     <p:sldId id="1439" r:id="rId2"/>
@@ -45,12 +45,13 @@
     <p:sldId id="275" r:id="rId36"/>
     <p:sldId id="276" r:id="rId37"/>
     <p:sldId id="277" r:id="rId38"/>
-    <p:sldId id="1252" r:id="rId39"/>
-    <p:sldId id="1253" r:id="rId40"/>
-    <p:sldId id="1254" r:id="rId41"/>
-    <p:sldId id="1255" r:id="rId42"/>
-    <p:sldId id="278" r:id="rId43"/>
-    <p:sldId id="1248" r:id="rId44"/>
+    <p:sldId id="1440" r:id="rId39"/>
+    <p:sldId id="1252" r:id="rId40"/>
+    <p:sldId id="1253" r:id="rId41"/>
+    <p:sldId id="1254" r:id="rId42"/>
+    <p:sldId id="1255" r:id="rId43"/>
+    <p:sldId id="278" r:id="rId44"/>
+    <p:sldId id="1248" r:id="rId45"/>
   </p:sldIdLst>
   <p:sldSz cx="9144000" cy="6858000" type="screen4x3"/>
   <p:notesSz cx="6858000" cy="9144000"/>
@@ -168,361 +169,84 @@
 </p:presentation>
 </file>
 
+<file path=ppt/revisionInfo.xml><?xml version="1.0" encoding="utf-8"?>
+<p1510:revInfo xmlns:a="http://schemas.openxmlformats.org/drawingml/2006/main" xmlns:r="http://schemas.openxmlformats.org/officeDocument/2006/relationships" xmlns:p1510="http://schemas.microsoft.com/office/powerpoint/2015/10/main">
+  <p1510:revLst>
+    <p1510:client id="{9DBA1949-4B04-4179-BA8B-D1B2FA762C7E}" v="4" dt="2025-12-01T23:53:18.697"/>
+  </p1510:revLst>
+</p1510:revInfo>
+</file>
+
 <file path=ppt/changesInfos/changesInfo1.xml><?xml version="1.0" encoding="utf-8"?>
 <pc:chgInfo xmlns:a="http://schemas.openxmlformats.org/drawingml/2006/main" xmlns:r="http://schemas.openxmlformats.org/officeDocument/2006/relationships" xmlns:ac="http://schemas.microsoft.com/office/drawing/2013/main/command" xmlns:pc="http://schemas.microsoft.com/office/powerpoint/2013/main/command">
   <pc:docChgLst>
-    <pc:chgData name="Lines, Todd" userId="afaf7c3a-e8aa-4568-882a-02ad8f9e19b0" providerId="ADAL" clId="{EBFC6F6C-C628-4DA5-A556-4A5235F8164C}"/>
-    <pc:docChg chg="custSel addSld delSld modSld sldOrd">
-      <pc:chgData name="Lines, Todd" userId="afaf7c3a-e8aa-4568-882a-02ad8f9e19b0" providerId="ADAL" clId="{EBFC6F6C-C628-4DA5-A556-4A5235F8164C}" dt="2025-02-04T20:20:16.110" v="25"/>
+    <pc:chgData name="Lines, Todd" userId="afaf7c3a-e8aa-4568-882a-02ad8f9e19b0" providerId="ADAL" clId="{5FF5AC1B-ABA9-43D7-A1E3-2D92732CD6E2}"/>
+    <pc:docChg chg="custSel addSld modSld">
+      <pc:chgData name="Lines, Todd" userId="afaf7c3a-e8aa-4568-882a-02ad8f9e19b0" providerId="ADAL" clId="{5FF5AC1B-ABA9-43D7-A1E3-2D92732CD6E2}" dt="2025-12-01T23:53:24.412" v="28" actId="21"/>
       <pc:docMkLst>
         <pc:docMk/>
       </pc:docMkLst>
-      <pc:sldChg chg="add">
-        <pc:chgData name="Lines, Todd" userId="afaf7c3a-e8aa-4568-882a-02ad8f9e19b0" providerId="ADAL" clId="{EBFC6F6C-C628-4DA5-A556-4A5235F8164C}" dt="2025-02-04T20:19:34.248" v="19"/>
-        <pc:sldMkLst>
-          <pc:docMk/>
-          <pc:sldMk cId="0" sldId="264"/>
-        </pc:sldMkLst>
-      </pc:sldChg>
-      <pc:sldChg chg="add">
-        <pc:chgData name="Lines, Todd" userId="afaf7c3a-e8aa-4568-882a-02ad8f9e19b0" providerId="ADAL" clId="{EBFC6F6C-C628-4DA5-A556-4A5235F8164C}" dt="2025-02-04T20:19:34.248" v="19"/>
-        <pc:sldMkLst>
-          <pc:docMk/>
-          <pc:sldMk cId="0" sldId="265"/>
-        </pc:sldMkLst>
-      </pc:sldChg>
-      <pc:sldChg chg="add">
-        <pc:chgData name="Lines, Todd" userId="afaf7c3a-e8aa-4568-882a-02ad8f9e19b0" providerId="ADAL" clId="{EBFC6F6C-C628-4DA5-A556-4A5235F8164C}" dt="2025-02-04T20:19:34.248" v="19"/>
-        <pc:sldMkLst>
-          <pc:docMk/>
-          <pc:sldMk cId="0" sldId="266"/>
-        </pc:sldMkLst>
-      </pc:sldChg>
-      <pc:sldChg chg="add del">
-        <pc:chgData name="Lines, Todd" userId="afaf7c3a-e8aa-4568-882a-02ad8f9e19b0" providerId="ADAL" clId="{EBFC6F6C-C628-4DA5-A556-4A5235F8164C}" dt="2025-02-04T20:18:28.922" v="17"/>
-        <pc:sldMkLst>
-          <pc:docMk/>
-          <pc:sldMk cId="0" sldId="303"/>
-        </pc:sldMkLst>
-      </pc:sldChg>
-      <pc:sldChg chg="add ord">
-        <pc:chgData name="Lines, Todd" userId="afaf7c3a-e8aa-4568-882a-02ad8f9e19b0" providerId="ADAL" clId="{EBFC6F6C-C628-4DA5-A556-4A5235F8164C}" dt="2025-02-04T20:20:16.110" v="25"/>
-        <pc:sldMkLst>
-          <pc:docMk/>
-          <pc:sldMk cId="406995544" sldId="1406"/>
-        </pc:sldMkLst>
-      </pc:sldChg>
-      <pc:sldChg chg="modSp new mod">
-        <pc:chgData name="Lines, Todd" userId="afaf7c3a-e8aa-4568-882a-02ad8f9e19b0" providerId="ADAL" clId="{EBFC6F6C-C628-4DA5-A556-4A5235F8164C}" dt="2025-02-04T20:18:15.489" v="10" actId="20577"/>
-        <pc:sldMkLst>
-          <pc:docMk/>
-          <pc:sldMk cId="1224676374" sldId="1439"/>
-        </pc:sldMkLst>
-      </pc:sldChg>
-      <pc:sldChg chg="addSp delSp modSp new mod modClrScheme chgLayout">
-        <pc:chgData name="Lines, Todd" userId="afaf7c3a-e8aa-4568-882a-02ad8f9e19b0" providerId="ADAL" clId="{EBFC6F6C-C628-4DA5-A556-4A5235F8164C}" dt="2025-02-04T20:18:24.676" v="15" actId="20577"/>
-        <pc:sldMkLst>
-          <pc:docMk/>
-          <pc:sldMk cId="3238601283" sldId="1440"/>
-        </pc:sldMkLst>
-      </pc:sldChg>
-      <pc:sldChg chg="add">
-        <pc:chgData name="Lines, Todd" userId="afaf7c3a-e8aa-4568-882a-02ad8f9e19b0" providerId="ADAL" clId="{EBFC6F6C-C628-4DA5-A556-4A5235F8164C}" dt="2025-02-04T20:19:34.248" v="19"/>
-        <pc:sldMkLst>
-          <pc:docMk/>
-          <pc:sldMk cId="0" sldId="1441"/>
-        </pc:sldMkLst>
-      </pc:sldChg>
-      <pc:sldChg chg="add">
-        <pc:chgData name="Lines, Todd" userId="afaf7c3a-e8aa-4568-882a-02ad8f9e19b0" providerId="ADAL" clId="{EBFC6F6C-C628-4DA5-A556-4A5235F8164C}" dt="2025-02-04T20:19:34.248" v="19"/>
-        <pc:sldMkLst>
-          <pc:docMk/>
-          <pc:sldMk cId="0" sldId="1442"/>
-        </pc:sldMkLst>
-      </pc:sldChg>
-      <pc:sldChg chg="add">
-        <pc:chgData name="Lines, Todd" userId="afaf7c3a-e8aa-4568-882a-02ad8f9e19b0" providerId="ADAL" clId="{EBFC6F6C-C628-4DA5-A556-4A5235F8164C}" dt="2025-02-04T20:19:34.248" v="19"/>
-        <pc:sldMkLst>
-          <pc:docMk/>
-          <pc:sldMk cId="0" sldId="1443"/>
-        </pc:sldMkLst>
-      </pc:sldChg>
-      <pc:sldChg chg="add">
-        <pc:chgData name="Lines, Todd" userId="afaf7c3a-e8aa-4568-882a-02ad8f9e19b0" providerId="ADAL" clId="{EBFC6F6C-C628-4DA5-A556-4A5235F8164C}" dt="2025-02-04T20:19:34.248" v="19"/>
-        <pc:sldMkLst>
-          <pc:docMk/>
-          <pc:sldMk cId="0" sldId="1444"/>
-        </pc:sldMkLst>
-      </pc:sldChg>
-      <pc:sldChg chg="add">
-        <pc:chgData name="Lines, Todd" userId="afaf7c3a-e8aa-4568-882a-02ad8f9e19b0" providerId="ADAL" clId="{EBFC6F6C-C628-4DA5-A556-4A5235F8164C}" dt="2025-02-04T20:19:34.248" v="19"/>
-        <pc:sldMkLst>
-          <pc:docMk/>
-          <pc:sldMk cId="0" sldId="1445"/>
-        </pc:sldMkLst>
-      </pc:sldChg>
-      <pc:sldChg chg="add">
-        <pc:chgData name="Lines, Todd" userId="afaf7c3a-e8aa-4568-882a-02ad8f9e19b0" providerId="ADAL" clId="{EBFC6F6C-C628-4DA5-A556-4A5235F8164C}" dt="2025-02-04T20:19:34.248" v="19"/>
-        <pc:sldMkLst>
-          <pc:docMk/>
-          <pc:sldMk cId="0" sldId="1446"/>
-        </pc:sldMkLst>
-      </pc:sldChg>
-    </pc:docChg>
-  </pc:docChgLst>
-  <pc:docChgLst>
-    <pc:chgData name="Lines, Todd" userId="afaf7c3a-e8aa-4568-882a-02ad8f9e19b0" providerId="ADAL" clId="{EAFB8220-4DE7-47BE-85D1-B96155901CBF}"/>
-    <pc:docChg chg="delSld">
-      <pc:chgData name="Lines, Todd" userId="afaf7c3a-e8aa-4568-882a-02ad8f9e19b0" providerId="ADAL" clId="{EAFB8220-4DE7-47BE-85D1-B96155901CBF}" dt="2025-09-03T21:20:42.518" v="0" actId="2696"/>
-      <pc:docMkLst>
-        <pc:docMk/>
-      </pc:docMkLst>
-      <pc:sldChg chg="del">
-        <pc:chgData name="Lines, Todd" userId="afaf7c3a-e8aa-4568-882a-02ad8f9e19b0" providerId="ADAL" clId="{EAFB8220-4DE7-47BE-85D1-B96155901CBF}" dt="2025-09-03T21:20:42.518" v="0" actId="2696"/>
-        <pc:sldMkLst>
-          <pc:docMk/>
-          <pc:sldMk cId="0" sldId="264"/>
-        </pc:sldMkLst>
-      </pc:sldChg>
-      <pc:sldChg chg="del">
-        <pc:chgData name="Lines, Todd" userId="afaf7c3a-e8aa-4568-882a-02ad8f9e19b0" providerId="ADAL" clId="{EAFB8220-4DE7-47BE-85D1-B96155901CBF}" dt="2025-09-03T21:20:42.518" v="0" actId="2696"/>
-        <pc:sldMkLst>
-          <pc:docMk/>
-          <pc:sldMk cId="0" sldId="265"/>
-        </pc:sldMkLst>
-      </pc:sldChg>
-      <pc:sldChg chg="del">
-        <pc:chgData name="Lines, Todd" userId="afaf7c3a-e8aa-4568-882a-02ad8f9e19b0" providerId="ADAL" clId="{EAFB8220-4DE7-47BE-85D1-B96155901CBF}" dt="2025-09-03T21:20:42.518" v="0" actId="2696"/>
-        <pc:sldMkLst>
-          <pc:docMk/>
-          <pc:sldMk cId="0" sldId="266"/>
-        </pc:sldMkLst>
-      </pc:sldChg>
-      <pc:sldChg chg="del">
-        <pc:chgData name="Lines, Todd" userId="afaf7c3a-e8aa-4568-882a-02ad8f9e19b0" providerId="ADAL" clId="{EAFB8220-4DE7-47BE-85D1-B96155901CBF}" dt="2025-09-03T21:20:42.518" v="0" actId="2696"/>
-        <pc:sldMkLst>
-          <pc:docMk/>
-          <pc:sldMk cId="406995544" sldId="1406"/>
-        </pc:sldMkLst>
-      </pc:sldChg>
-      <pc:sldChg chg="del">
-        <pc:chgData name="Lines, Todd" userId="afaf7c3a-e8aa-4568-882a-02ad8f9e19b0" providerId="ADAL" clId="{EAFB8220-4DE7-47BE-85D1-B96155901CBF}" dt="2025-09-03T21:20:42.518" v="0" actId="2696"/>
-        <pc:sldMkLst>
-          <pc:docMk/>
-          <pc:sldMk cId="3238601283" sldId="1440"/>
-        </pc:sldMkLst>
-      </pc:sldChg>
-      <pc:sldChg chg="del">
-        <pc:chgData name="Lines, Todd" userId="afaf7c3a-e8aa-4568-882a-02ad8f9e19b0" providerId="ADAL" clId="{EAFB8220-4DE7-47BE-85D1-B96155901CBF}" dt="2025-09-03T21:20:42.518" v="0" actId="2696"/>
-        <pc:sldMkLst>
-          <pc:docMk/>
-          <pc:sldMk cId="0" sldId="1441"/>
-        </pc:sldMkLst>
-      </pc:sldChg>
-      <pc:sldChg chg="del">
-        <pc:chgData name="Lines, Todd" userId="afaf7c3a-e8aa-4568-882a-02ad8f9e19b0" providerId="ADAL" clId="{EAFB8220-4DE7-47BE-85D1-B96155901CBF}" dt="2025-09-03T21:20:42.518" v="0" actId="2696"/>
-        <pc:sldMkLst>
-          <pc:docMk/>
-          <pc:sldMk cId="0" sldId="1442"/>
-        </pc:sldMkLst>
-      </pc:sldChg>
-      <pc:sldChg chg="del">
-        <pc:chgData name="Lines, Todd" userId="afaf7c3a-e8aa-4568-882a-02ad8f9e19b0" providerId="ADAL" clId="{EAFB8220-4DE7-47BE-85D1-B96155901CBF}" dt="2025-09-03T21:20:42.518" v="0" actId="2696"/>
-        <pc:sldMkLst>
-          <pc:docMk/>
-          <pc:sldMk cId="0" sldId="1443"/>
-        </pc:sldMkLst>
-      </pc:sldChg>
-      <pc:sldChg chg="del">
-        <pc:chgData name="Lines, Todd" userId="afaf7c3a-e8aa-4568-882a-02ad8f9e19b0" providerId="ADAL" clId="{EAFB8220-4DE7-47BE-85D1-B96155901CBF}" dt="2025-09-03T21:20:42.518" v="0" actId="2696"/>
-        <pc:sldMkLst>
-          <pc:docMk/>
-          <pc:sldMk cId="0" sldId="1444"/>
-        </pc:sldMkLst>
-      </pc:sldChg>
-      <pc:sldChg chg="del">
-        <pc:chgData name="Lines, Todd" userId="afaf7c3a-e8aa-4568-882a-02ad8f9e19b0" providerId="ADAL" clId="{EAFB8220-4DE7-47BE-85D1-B96155901CBF}" dt="2025-09-03T21:20:42.518" v="0" actId="2696"/>
-        <pc:sldMkLst>
-          <pc:docMk/>
-          <pc:sldMk cId="0" sldId="1445"/>
-        </pc:sldMkLst>
-      </pc:sldChg>
-      <pc:sldChg chg="del">
-        <pc:chgData name="Lines, Todd" userId="afaf7c3a-e8aa-4568-882a-02ad8f9e19b0" providerId="ADAL" clId="{EAFB8220-4DE7-47BE-85D1-B96155901CBF}" dt="2025-09-03T21:20:42.518" v="0" actId="2696"/>
-        <pc:sldMkLst>
-          <pc:docMk/>
-          <pc:sldMk cId="0" sldId="1446"/>
-        </pc:sldMkLst>
-      </pc:sldChg>
-    </pc:docChg>
-  </pc:docChgLst>
-  <pc:docChgLst>
-    <pc:chgData name="Lines, Todd" userId="afaf7c3a-e8aa-4568-882a-02ad8f9e19b0" providerId="ADAL" clId="{05274C7C-4EE9-430A-ACCA-FA919534294C}"/>
-    <pc:docChg chg="addSld delSld modSld sldOrd">
-      <pc:chgData name="Lines, Todd" userId="afaf7c3a-e8aa-4568-882a-02ad8f9e19b0" providerId="ADAL" clId="{05274C7C-4EE9-430A-ACCA-FA919534294C}" dt="2023-09-29T17:22:26.774" v="30"/>
-      <pc:docMkLst>
-        <pc:docMk/>
-      </pc:docMkLst>
-      <pc:sldChg chg="ord">
-        <pc:chgData name="Lines, Todd" userId="afaf7c3a-e8aa-4568-882a-02ad8f9e19b0" providerId="ADAL" clId="{05274C7C-4EE9-430A-ACCA-FA919534294C}" dt="2023-09-29T16:58:27.321" v="22"/>
-        <pc:sldMkLst>
-          <pc:docMk/>
-          <pc:sldMk cId="0" sldId="261"/>
-        </pc:sldMkLst>
-      </pc:sldChg>
-      <pc:sldChg chg="ord">
-        <pc:chgData name="Lines, Todd" userId="afaf7c3a-e8aa-4568-882a-02ad8f9e19b0" providerId="ADAL" clId="{05274C7C-4EE9-430A-ACCA-FA919534294C}" dt="2023-09-29T17:22:26.774" v="30"/>
+      <pc:sldChg chg="delSp mod">
+        <pc:chgData name="Lines, Todd" userId="afaf7c3a-e8aa-4568-882a-02ad8f9e19b0" providerId="ADAL" clId="{5FF5AC1B-ABA9-43D7-A1E3-2D92732CD6E2}" dt="2025-12-01T23:48:56.581" v="0" actId="478"/>
         <pc:sldMkLst>
           <pc:docMk/>
           <pc:sldMk cId="0" sldId="277"/>
         </pc:sldMkLst>
+        <pc:spChg chg="del">
+          <ac:chgData name="Lines, Todd" userId="afaf7c3a-e8aa-4568-882a-02ad8f9e19b0" providerId="ADAL" clId="{5FF5AC1B-ABA9-43D7-A1E3-2D92732CD6E2}" dt="2025-12-01T23:48:56.581" v="0" actId="478"/>
+          <ac:spMkLst>
+            <pc:docMk/>
+            <pc:sldMk cId="0" sldId="277"/>
+            <ac:spMk id="2" creationId="{00000000-0000-0000-0000-000000000000}"/>
+          </ac:spMkLst>
+        </pc:spChg>
+        <pc:spChg chg="del">
+          <ac:chgData name="Lines, Todd" userId="afaf7c3a-e8aa-4568-882a-02ad8f9e19b0" providerId="ADAL" clId="{5FF5AC1B-ABA9-43D7-A1E3-2D92732CD6E2}" dt="2025-12-01T23:48:56.581" v="0" actId="478"/>
+          <ac:spMkLst>
+            <pc:docMk/>
+            <pc:sldMk cId="0" sldId="277"/>
+            <ac:spMk id="3" creationId="{00000000-0000-0000-0000-000000000000}"/>
+          </ac:spMkLst>
+        </pc:spChg>
       </pc:sldChg>
-      <pc:sldChg chg="ord">
-        <pc:chgData name="Lines, Todd" userId="afaf7c3a-e8aa-4568-882a-02ad8f9e19b0" providerId="ADAL" clId="{05274C7C-4EE9-430A-ACCA-FA919534294C}" dt="2023-09-29T16:54:32.952" v="8"/>
+      <pc:sldChg chg="addSp delSp modSp add mod">
+        <pc:chgData name="Lines, Todd" userId="afaf7c3a-e8aa-4568-882a-02ad8f9e19b0" providerId="ADAL" clId="{5FF5AC1B-ABA9-43D7-A1E3-2D92732CD6E2}" dt="2025-12-01T23:53:24.412" v="28" actId="21"/>
         <pc:sldMkLst>
           <pc:docMk/>
-          <pc:sldMk cId="4291346552" sldId="284"/>
+          <pc:sldMk cId="4079256307" sldId="1440"/>
         </pc:sldMkLst>
-      </pc:sldChg>
-      <pc:sldChg chg="add del">
-        <pc:chgData name="Lines, Todd" userId="afaf7c3a-e8aa-4568-882a-02ad8f9e19b0" providerId="ADAL" clId="{05274C7C-4EE9-430A-ACCA-FA919534294C}" dt="2023-09-29T16:54:03.191" v="3" actId="2696"/>
-        <pc:sldMkLst>
-          <pc:docMk/>
-          <pc:sldMk cId="3374420260" sldId="1243"/>
-        </pc:sldMkLst>
-      </pc:sldChg>
-      <pc:sldChg chg="add ord">
-        <pc:chgData name="Lines, Todd" userId="afaf7c3a-e8aa-4568-882a-02ad8f9e19b0" providerId="ADAL" clId="{05274C7C-4EE9-430A-ACCA-FA919534294C}" dt="2023-09-29T16:56:04.828" v="12"/>
-        <pc:sldMkLst>
-          <pc:docMk/>
-          <pc:sldMk cId="0" sldId="1244"/>
-        </pc:sldMkLst>
-      </pc:sldChg>
-      <pc:sldChg chg="add ord">
-        <pc:chgData name="Lines, Todd" userId="afaf7c3a-e8aa-4568-882a-02ad8f9e19b0" providerId="ADAL" clId="{05274C7C-4EE9-430A-ACCA-FA919534294C}" dt="2023-09-29T16:56:45.196" v="14"/>
-        <pc:sldMkLst>
-          <pc:docMk/>
-          <pc:sldMk cId="0" sldId="1245"/>
-        </pc:sldMkLst>
-      </pc:sldChg>
-      <pc:sldChg chg="add ord">
-        <pc:chgData name="Lines, Todd" userId="afaf7c3a-e8aa-4568-882a-02ad8f9e19b0" providerId="ADAL" clId="{05274C7C-4EE9-430A-ACCA-FA919534294C}" dt="2023-09-29T16:56:45.196" v="14"/>
-        <pc:sldMkLst>
-          <pc:docMk/>
-          <pc:sldMk cId="0" sldId="1246"/>
-        </pc:sldMkLst>
-      </pc:sldChg>
-      <pc:sldChg chg="add ord">
-        <pc:chgData name="Lines, Todd" userId="afaf7c3a-e8aa-4568-882a-02ad8f9e19b0" providerId="ADAL" clId="{05274C7C-4EE9-430A-ACCA-FA919534294C}" dt="2023-09-29T16:57:37.803" v="18"/>
-        <pc:sldMkLst>
-          <pc:docMk/>
-          <pc:sldMk cId="0" sldId="1247"/>
-        </pc:sldMkLst>
-      </pc:sldChg>
-      <pc:sldChg chg="add">
-        <pc:chgData name="Lines, Todd" userId="afaf7c3a-e8aa-4568-882a-02ad8f9e19b0" providerId="ADAL" clId="{05274C7C-4EE9-430A-ACCA-FA919534294C}" dt="2023-09-29T16:53:06.721" v="0"/>
-        <pc:sldMkLst>
-          <pc:docMk/>
-          <pc:sldMk cId="0" sldId="1248"/>
-        </pc:sldMkLst>
-      </pc:sldChg>
-      <pc:sldChg chg="add ord">
-        <pc:chgData name="Lines, Todd" userId="afaf7c3a-e8aa-4568-882a-02ad8f9e19b0" providerId="ADAL" clId="{05274C7C-4EE9-430A-ACCA-FA919534294C}" dt="2023-09-29T16:57:15.576" v="16"/>
-        <pc:sldMkLst>
-          <pc:docMk/>
-          <pc:sldMk cId="0" sldId="1249"/>
-        </pc:sldMkLst>
-      </pc:sldChg>
-      <pc:sldChg chg="add ord">
-        <pc:chgData name="Lines, Todd" userId="afaf7c3a-e8aa-4568-882a-02ad8f9e19b0" providerId="ADAL" clId="{05274C7C-4EE9-430A-ACCA-FA919534294C}" dt="2023-09-29T16:58:21.108" v="20"/>
-        <pc:sldMkLst>
-          <pc:docMk/>
-          <pc:sldMk cId="0" sldId="1250"/>
-        </pc:sldMkLst>
-      </pc:sldChg>
-      <pc:sldChg chg="add ord">
-        <pc:chgData name="Lines, Todd" userId="afaf7c3a-e8aa-4568-882a-02ad8f9e19b0" providerId="ADAL" clId="{05274C7C-4EE9-430A-ACCA-FA919534294C}" dt="2023-09-29T16:58:42.464" v="24"/>
-        <pc:sldMkLst>
-          <pc:docMk/>
-          <pc:sldMk cId="0" sldId="1251"/>
-        </pc:sldMkLst>
-      </pc:sldChg>
-      <pc:sldChg chg="add ord">
-        <pc:chgData name="Lines, Todd" userId="afaf7c3a-e8aa-4568-882a-02ad8f9e19b0" providerId="ADAL" clId="{05274C7C-4EE9-430A-ACCA-FA919534294C}" dt="2023-09-29T16:59:22.931" v="26"/>
-        <pc:sldMkLst>
-          <pc:docMk/>
-          <pc:sldMk cId="0" sldId="1252"/>
-        </pc:sldMkLst>
-      </pc:sldChg>
-      <pc:sldChg chg="add ord">
-        <pc:chgData name="Lines, Todd" userId="afaf7c3a-e8aa-4568-882a-02ad8f9e19b0" providerId="ADAL" clId="{05274C7C-4EE9-430A-ACCA-FA919534294C}" dt="2023-09-29T16:59:22.931" v="26"/>
-        <pc:sldMkLst>
-          <pc:docMk/>
-          <pc:sldMk cId="0" sldId="1253"/>
-        </pc:sldMkLst>
-      </pc:sldChg>
-      <pc:sldChg chg="add ord">
-        <pc:chgData name="Lines, Todd" userId="afaf7c3a-e8aa-4568-882a-02ad8f9e19b0" providerId="ADAL" clId="{05274C7C-4EE9-430A-ACCA-FA919534294C}" dt="2023-09-29T16:59:22.931" v="26"/>
-        <pc:sldMkLst>
-          <pc:docMk/>
-          <pc:sldMk cId="0" sldId="1254"/>
-        </pc:sldMkLst>
-      </pc:sldChg>
-      <pc:sldChg chg="add ord">
-        <pc:chgData name="Lines, Todd" userId="afaf7c3a-e8aa-4568-882a-02ad8f9e19b0" providerId="ADAL" clId="{05274C7C-4EE9-430A-ACCA-FA919534294C}" dt="2023-09-29T16:59:22.931" v="26"/>
-        <pc:sldMkLst>
-          <pc:docMk/>
-          <pc:sldMk cId="0" sldId="1255"/>
-        </pc:sldMkLst>
-      </pc:sldChg>
-      <pc:sldChg chg="add">
-        <pc:chgData name="Lines, Todd" userId="afaf7c3a-e8aa-4568-882a-02ad8f9e19b0" providerId="ADAL" clId="{05274C7C-4EE9-430A-ACCA-FA919534294C}" dt="2023-09-29T16:53:18.825" v="2"/>
-        <pc:sldMkLst>
-          <pc:docMk/>
-          <pc:sldMk cId="369461738" sldId="1388"/>
-        </pc:sldMkLst>
-      </pc:sldChg>
-      <pc:sldChg chg="add del">
-        <pc:chgData name="Lines, Todd" userId="afaf7c3a-e8aa-4568-882a-02ad8f9e19b0" providerId="ADAL" clId="{05274C7C-4EE9-430A-ACCA-FA919534294C}" dt="2023-09-29T16:53:13.778" v="1" actId="2696"/>
-        <pc:sldMkLst>
-          <pc:docMk/>
-          <pc:sldMk cId="1258325008" sldId="1388"/>
-        </pc:sldMkLst>
-      </pc:sldChg>
-      <pc:sldChg chg="add">
-        <pc:chgData name="Lines, Todd" userId="afaf7c3a-e8aa-4568-882a-02ad8f9e19b0" providerId="ADAL" clId="{05274C7C-4EE9-430A-ACCA-FA919534294C}" dt="2023-09-29T16:53:18.825" v="2"/>
-        <pc:sldMkLst>
-          <pc:docMk/>
-          <pc:sldMk cId="1665782509" sldId="1389"/>
-        </pc:sldMkLst>
-      </pc:sldChg>
-      <pc:sldChg chg="add del">
-        <pc:chgData name="Lines, Todd" userId="afaf7c3a-e8aa-4568-882a-02ad8f9e19b0" providerId="ADAL" clId="{05274C7C-4EE9-430A-ACCA-FA919534294C}" dt="2023-09-29T16:53:13.778" v="1" actId="2696"/>
-        <pc:sldMkLst>
-          <pc:docMk/>
-          <pc:sldMk cId="2016482087" sldId="1389"/>
-        </pc:sldMkLst>
-      </pc:sldChg>
-      <pc:sldChg chg="add del">
-        <pc:chgData name="Lines, Todd" userId="afaf7c3a-e8aa-4568-882a-02ad8f9e19b0" providerId="ADAL" clId="{05274C7C-4EE9-430A-ACCA-FA919534294C}" dt="2023-09-29T16:54:03.191" v="3" actId="2696"/>
-        <pc:sldMkLst>
-          <pc:docMk/>
-          <pc:sldMk cId="3218135962" sldId="1390"/>
-        </pc:sldMkLst>
-      </pc:sldChg>
-      <pc:sldChg chg="add">
-        <pc:chgData name="Lines, Todd" userId="afaf7c3a-e8aa-4568-882a-02ad8f9e19b0" providerId="ADAL" clId="{05274C7C-4EE9-430A-ACCA-FA919534294C}" dt="2023-09-29T16:54:10.247" v="4"/>
-        <pc:sldMkLst>
-          <pc:docMk/>
-          <pc:sldMk cId="3746762084" sldId="1390"/>
-        </pc:sldMkLst>
-      </pc:sldChg>
-      <pc:sldChg chg="add ord">
-        <pc:chgData name="Lines, Todd" userId="afaf7c3a-e8aa-4568-882a-02ad8f9e19b0" providerId="ADAL" clId="{05274C7C-4EE9-430A-ACCA-FA919534294C}" dt="2023-09-29T16:55:50.447" v="10"/>
-        <pc:sldMkLst>
-          <pc:docMk/>
-          <pc:sldMk cId="1920095206" sldId="1438"/>
-        </pc:sldMkLst>
+        <pc:picChg chg="del mod">
+          <ac:chgData name="Lines, Todd" userId="afaf7c3a-e8aa-4568-882a-02ad8f9e19b0" providerId="ADAL" clId="{5FF5AC1B-ABA9-43D7-A1E3-2D92732CD6E2}" dt="2025-12-01T23:53:24.412" v="28" actId="21"/>
+          <ac:picMkLst>
+            <pc:docMk/>
+            <pc:sldMk cId="4079256307" sldId="1440"/>
+            <ac:picMk id="16" creationId="{5E909BE4-D47A-AD13-47EE-39E489892E36}"/>
+          </ac:picMkLst>
+        </pc:picChg>
+        <pc:cxnChg chg="add mod">
+          <ac:chgData name="Lines, Todd" userId="afaf7c3a-e8aa-4568-882a-02ad8f9e19b0" providerId="ADAL" clId="{5FF5AC1B-ABA9-43D7-A1E3-2D92732CD6E2}" dt="2025-12-01T23:52:32.682" v="22" actId="14100"/>
+          <ac:cxnSpMkLst>
+            <pc:docMk/>
+            <pc:sldMk cId="4079256307" sldId="1440"/>
+            <ac:cxnSpMk id="3" creationId="{FE432E90-B06B-C077-B7A8-7ECF04607DBC}"/>
+          </ac:cxnSpMkLst>
+        </pc:cxnChg>
+        <pc:cxnChg chg="add mod">
+          <ac:chgData name="Lines, Todd" userId="afaf7c3a-e8aa-4568-882a-02ad8f9e19b0" providerId="ADAL" clId="{5FF5AC1B-ABA9-43D7-A1E3-2D92732CD6E2}" dt="2025-12-01T23:52:45.502" v="23" actId="693"/>
+          <ac:cxnSpMkLst>
+            <pc:docMk/>
+            <pc:sldMk cId="4079256307" sldId="1440"/>
+            <ac:cxnSpMk id="4" creationId="{D8246F88-41BC-9A4F-8820-30A1459244E6}"/>
+          </ac:cxnSpMkLst>
+        </pc:cxnChg>
+        <pc:cxnChg chg="add mod">
+          <ac:chgData name="Lines, Todd" userId="afaf7c3a-e8aa-4568-882a-02ad8f9e19b0" providerId="ADAL" clId="{5FF5AC1B-ABA9-43D7-A1E3-2D92732CD6E2}" dt="2025-12-01T23:52:54.061" v="26" actId="14100"/>
+          <ac:cxnSpMkLst>
+            <pc:docMk/>
+            <pc:sldMk cId="4079256307" sldId="1440"/>
+            <ac:cxnSpMk id="14" creationId="{5BEAED55-FCDE-E733-DFF5-3EF289078A01}"/>
+          </ac:cxnSpMkLst>
+        </pc:cxnChg>
       </pc:sldChg>
     </pc:docChg>
   </pc:docChgLst>
@@ -611,7 +335,7 @@
           <a:p>
             <a:fld id="{1CBD886E-328A-4552-A064-15B0F8E4FBBC}" type="datetimeFigureOut">
               <a:rPr lang="en-US" smtClean="0"/>
-              <a:t>9/3/2025</a:t>
+              <a:t>12/1/2025</a:t>
             </a:fld>
             <a:endParaRPr lang="en-US"/>
           </a:p>
@@ -1058,7 +782,7 @@
             <a:fld id="{C180C29D-4A4F-4C4D-B0A6-7AE47C38EA42}" type="datetimeFigureOut">
               <a:rPr lang="en-US" smtClean="0"/>
               <a:pPr/>
-              <a:t>9/3/2025</a:t>
+              <a:t>12/1/2025</a:t>
             </a:fld>
             <a:endParaRPr lang="en-US"/>
           </a:p>
@@ -1223,7 +947,7 @@
             <a:fld id="{C180C29D-4A4F-4C4D-B0A6-7AE47C38EA42}" type="datetimeFigureOut">
               <a:rPr lang="en-US" smtClean="0"/>
               <a:pPr/>
-              <a:t>9/3/2025</a:t>
+              <a:t>12/1/2025</a:t>
             </a:fld>
             <a:endParaRPr lang="en-US"/>
           </a:p>
@@ -1398,7 +1122,7 @@
             <a:fld id="{C180C29D-4A4F-4C4D-B0A6-7AE47C38EA42}" type="datetimeFigureOut">
               <a:rPr lang="en-US" smtClean="0"/>
               <a:pPr/>
-              <a:t>9/3/2025</a:t>
+              <a:t>12/1/2025</a:t>
             </a:fld>
             <a:endParaRPr lang="en-US"/>
           </a:p>
@@ -1563,7 +1287,7 @@
             <a:fld id="{C180C29D-4A4F-4C4D-B0A6-7AE47C38EA42}" type="datetimeFigureOut">
               <a:rPr lang="en-US" smtClean="0"/>
               <a:pPr/>
-              <a:t>9/3/2025</a:t>
+              <a:t>12/1/2025</a:t>
             </a:fld>
             <a:endParaRPr lang="en-US"/>
           </a:p>
@@ -1805,7 +1529,7 @@
             <a:fld id="{C180C29D-4A4F-4C4D-B0A6-7AE47C38EA42}" type="datetimeFigureOut">
               <a:rPr lang="en-US" smtClean="0"/>
               <a:pPr/>
-              <a:t>9/3/2025</a:t>
+              <a:t>12/1/2025</a:t>
             </a:fld>
             <a:endParaRPr lang="en-US"/>
           </a:p>
@@ -2087,7 +1811,7 @@
             <a:fld id="{C180C29D-4A4F-4C4D-B0A6-7AE47C38EA42}" type="datetimeFigureOut">
               <a:rPr lang="en-US" smtClean="0"/>
               <a:pPr/>
-              <a:t>9/3/2025</a:t>
+              <a:t>12/1/2025</a:t>
             </a:fld>
             <a:endParaRPr lang="en-US"/>
           </a:p>
@@ -2503,7 +2227,7 @@
             <a:fld id="{C180C29D-4A4F-4C4D-B0A6-7AE47C38EA42}" type="datetimeFigureOut">
               <a:rPr lang="en-US" smtClean="0"/>
               <a:pPr/>
-              <a:t>9/3/2025</a:t>
+              <a:t>12/1/2025</a:t>
             </a:fld>
             <a:endParaRPr lang="en-US"/>
           </a:p>
@@ -2617,7 +2341,7 @@
             <a:fld id="{C180C29D-4A4F-4C4D-B0A6-7AE47C38EA42}" type="datetimeFigureOut">
               <a:rPr lang="en-US" smtClean="0"/>
               <a:pPr/>
-              <a:t>9/3/2025</a:t>
+              <a:t>12/1/2025</a:t>
             </a:fld>
             <a:endParaRPr lang="en-US"/>
           </a:p>
@@ -2709,7 +2433,7 @@
             <a:fld id="{C180C29D-4A4F-4C4D-B0A6-7AE47C38EA42}" type="datetimeFigureOut">
               <a:rPr lang="en-US" smtClean="0"/>
               <a:pPr/>
-              <a:t>9/3/2025</a:t>
+              <a:t>12/1/2025</a:t>
             </a:fld>
             <a:endParaRPr lang="en-US"/>
           </a:p>
@@ -2981,7 +2705,7 @@
             <a:fld id="{C180C29D-4A4F-4C4D-B0A6-7AE47C38EA42}" type="datetimeFigureOut">
               <a:rPr lang="en-US" smtClean="0"/>
               <a:pPr/>
-              <a:t>9/3/2025</a:t>
+              <a:t>12/1/2025</a:t>
             </a:fld>
             <a:endParaRPr lang="en-US"/>
           </a:p>
@@ -3230,7 +2954,7 @@
             <a:fld id="{C180C29D-4A4F-4C4D-B0A6-7AE47C38EA42}" type="datetimeFigureOut">
               <a:rPr lang="en-US" smtClean="0"/>
               <a:pPr/>
-              <a:t>9/3/2025</a:t>
+              <a:t>12/1/2025</a:t>
             </a:fld>
             <a:endParaRPr lang="en-US"/>
           </a:p>
@@ -3438,7 +3162,7 @@
             <a:fld id="{C180C29D-4A4F-4C4D-B0A6-7AE47C38EA42}" type="datetimeFigureOut">
               <a:rPr lang="en-US" smtClean="0"/>
               <a:pPr/>
-              <a:t>9/3/2025</a:t>
+              <a:t>12/1/2025</a:t>
             </a:fld>
             <a:endParaRPr lang="en-US"/>
           </a:p>
@@ -17733,44 +17457,6 @@
           <a:chExt cx="0" cy="0"/>
         </a:xfrm>
       </p:grpSpPr>
-      <p:sp>
-        <p:nvSpPr>
-          <p:cNvPr id="2" name="Title 1"/>
-          <p:cNvSpPr>
-            <a:spLocks noGrp="1"/>
-          </p:cNvSpPr>
-          <p:nvPr>
-            <p:ph type="title"/>
-          </p:nvPr>
-        </p:nvSpPr>
-        <p:spPr/>
-        <p:txBody>
-          <a:bodyPr/>
-          <a:lstStyle/>
-          <a:p>
-            <a:endParaRPr lang="en-US"/>
-          </a:p>
-        </p:txBody>
-      </p:sp>
-      <p:sp>
-        <p:nvSpPr>
-          <p:cNvPr id="3" name="Content Placeholder 2"/>
-          <p:cNvSpPr>
-            <a:spLocks noGrp="1"/>
-          </p:cNvSpPr>
-          <p:nvPr>
-            <p:ph idx="1"/>
-          </p:nvPr>
-        </p:nvSpPr>
-        <p:spPr/>
-        <p:txBody>
-          <a:bodyPr/>
-          <a:lstStyle/>
-          <a:p>
-            <a:endParaRPr lang="en-US"/>
-          </a:p>
-        </p:txBody>
-      </p:sp>
       <p:pic>
         <p:nvPicPr>
           <p:cNvPr id="1026" name="Picture 2"/>
@@ -17817,6 +17503,198 @@
   <p:cSld>
     <p:spTree>
       <p:nvGrpSpPr>
+        <p:cNvPr id="1" name="">
+          <a:extLst>
+            <a:ext uri="{FF2B5EF4-FFF2-40B4-BE49-F238E27FC236}">
+              <a16:creationId xmlns:a16="http://schemas.microsoft.com/office/drawing/2014/main" id="{592514F8-CD6C-9ADC-FB60-A93E20392C08}"/>
+            </a:ext>
+          </a:extLst>
+        </p:cNvPr>
+        <p:cNvGrpSpPr/>
+        <p:nvPr/>
+      </p:nvGrpSpPr>
+      <p:grpSpPr>
+        <a:xfrm>
+          <a:off x="0" y="0"/>
+          <a:ext cx="0" cy="0"/>
+          <a:chOff x="0" y="0"/>
+          <a:chExt cx="0" cy="0"/>
+        </a:xfrm>
+      </p:grpSpPr>
+      <p:pic>
+        <p:nvPicPr>
+          <p:cNvPr id="1026" name="Picture 2">
+            <a:extLst>
+              <a:ext uri="{FF2B5EF4-FFF2-40B4-BE49-F238E27FC236}">
+                <a16:creationId xmlns:a16="http://schemas.microsoft.com/office/drawing/2014/main" id="{601E8CFD-C193-70B5-746D-C5CA86C0C44E}"/>
+              </a:ext>
+            </a:extLst>
+          </p:cNvPr>
+          <p:cNvPicPr>
+            <a:picLocks noChangeAspect="1" noChangeArrowheads="1"/>
+          </p:cNvPicPr>
+          <p:nvPr/>
+        </p:nvPicPr>
+        <p:blipFill>
+          <a:blip r:embed="rId2" cstate="print"/>
+          <a:srcRect/>
+          <a:stretch>
+            <a:fillRect/>
+          </a:stretch>
+        </p:blipFill>
+        <p:spPr bwMode="auto">
+          <a:xfrm>
+            <a:off x="2419350" y="1308100"/>
+            <a:ext cx="4305300" cy="4248150"/>
+          </a:xfrm>
+          <a:prstGeom prst="rect">
+            <a:avLst/>
+          </a:prstGeom>
+          <a:noFill/>
+          <a:ln w="9525">
+            <a:noFill/>
+            <a:miter lim="800000"/>
+            <a:headEnd/>
+            <a:tailEnd/>
+          </a:ln>
+          <a:effectLst/>
+        </p:spPr>
+      </p:pic>
+      <p:cxnSp>
+        <p:nvCxnSpPr>
+          <p:cNvPr id="3" name="Straight Connector 2">
+            <a:extLst>
+              <a:ext uri="{FF2B5EF4-FFF2-40B4-BE49-F238E27FC236}">
+                <a16:creationId xmlns:a16="http://schemas.microsoft.com/office/drawing/2014/main" id="{FE432E90-B06B-C077-B7A8-7ECF04607DBC}"/>
+              </a:ext>
+            </a:extLst>
+          </p:cNvPr>
+          <p:cNvCxnSpPr>
+            <a:cxnSpLocks/>
+          </p:cNvCxnSpPr>
+          <p:nvPr/>
+        </p:nvCxnSpPr>
+        <p:spPr>
+          <a:xfrm flipV="1">
+            <a:off x="3781426" y="2514600"/>
+            <a:ext cx="942974" cy="228600"/>
+          </a:xfrm>
+          <a:prstGeom prst="line">
+            <a:avLst/>
+          </a:prstGeom>
+        </p:spPr>
+        <p:style>
+          <a:lnRef idx="1">
+            <a:schemeClr val="accent1"/>
+          </a:lnRef>
+          <a:fillRef idx="0">
+            <a:schemeClr val="accent1"/>
+          </a:fillRef>
+          <a:effectRef idx="0">
+            <a:schemeClr val="accent1"/>
+          </a:effectRef>
+          <a:fontRef idx="minor">
+            <a:schemeClr val="tx1"/>
+          </a:fontRef>
+        </p:style>
+      </p:cxnSp>
+      <p:cxnSp>
+        <p:nvCxnSpPr>
+          <p:cNvPr id="4" name="Straight Connector 3">
+            <a:extLst>
+              <a:ext uri="{FF2B5EF4-FFF2-40B4-BE49-F238E27FC236}">
+                <a16:creationId xmlns:a16="http://schemas.microsoft.com/office/drawing/2014/main" id="{D8246F88-41BC-9A4F-8820-30A1459244E6}"/>
+              </a:ext>
+            </a:extLst>
+          </p:cNvPr>
+          <p:cNvCxnSpPr>
+            <a:cxnSpLocks/>
+          </p:cNvCxnSpPr>
+          <p:nvPr/>
+        </p:nvCxnSpPr>
+        <p:spPr>
+          <a:xfrm>
+            <a:off x="3657600" y="2362200"/>
+            <a:ext cx="2133600" cy="304800"/>
+          </a:xfrm>
+          <a:prstGeom prst="line">
+            <a:avLst/>
+          </a:prstGeom>
+          <a:ln>
+            <a:prstDash val="dash"/>
+          </a:ln>
+        </p:spPr>
+        <p:style>
+          <a:lnRef idx="1">
+            <a:schemeClr val="accent1"/>
+          </a:lnRef>
+          <a:fillRef idx="0">
+            <a:schemeClr val="accent1"/>
+          </a:fillRef>
+          <a:effectRef idx="0">
+            <a:schemeClr val="accent1"/>
+          </a:effectRef>
+          <a:fontRef idx="minor">
+            <a:schemeClr val="tx1"/>
+          </a:fontRef>
+        </p:style>
+      </p:cxnSp>
+      <p:cxnSp>
+        <p:nvCxnSpPr>
+          <p:cNvPr id="14" name="Straight Connector 13">
+            <a:extLst>
+              <a:ext uri="{FF2B5EF4-FFF2-40B4-BE49-F238E27FC236}">
+                <a16:creationId xmlns:a16="http://schemas.microsoft.com/office/drawing/2014/main" id="{5BEAED55-FCDE-E733-DFF5-3EF289078A01}"/>
+              </a:ext>
+            </a:extLst>
+          </p:cNvPr>
+          <p:cNvCxnSpPr>
+            <a:cxnSpLocks/>
+          </p:cNvCxnSpPr>
+          <p:nvPr/>
+        </p:nvCxnSpPr>
+        <p:spPr>
+          <a:xfrm>
+            <a:off x="3657600" y="2362200"/>
+            <a:ext cx="1066800" cy="152400"/>
+          </a:xfrm>
+          <a:prstGeom prst="line">
+            <a:avLst/>
+          </a:prstGeom>
+        </p:spPr>
+        <p:style>
+          <a:lnRef idx="1">
+            <a:schemeClr val="accent1"/>
+          </a:lnRef>
+          <a:fillRef idx="0">
+            <a:schemeClr val="accent1"/>
+          </a:fillRef>
+          <a:effectRef idx="0">
+            <a:schemeClr val="accent1"/>
+          </a:effectRef>
+          <a:fontRef idx="minor">
+            <a:schemeClr val="tx1"/>
+          </a:fontRef>
+        </p:style>
+      </p:cxnSp>
+    </p:spTree>
+    <p:extLst>
+      <p:ext uri="{BB962C8B-B14F-4D97-AF65-F5344CB8AC3E}">
+        <p14:creationId xmlns:p14="http://schemas.microsoft.com/office/powerpoint/2010/main" val="4079256307"/>
+      </p:ext>
+    </p:extLst>
+  </p:cSld>
+  <p:clrMapOvr>
+    <a:masterClrMapping/>
+  </p:clrMapOvr>
+</p:sld>
+</file>
+
+<file path=ppt/slides/slide39.xml><?xml version="1.0" encoding="utf-8"?>
+<p:sld xmlns:a="http://schemas.openxmlformats.org/drawingml/2006/main" xmlns:r="http://schemas.openxmlformats.org/officeDocument/2006/relationships" xmlns:p="http://schemas.openxmlformats.org/presentationml/2006/main">
+  <p:cSld>
+    <p:spTree>
+      <p:nvGrpSpPr>
         <p:cNvPr id="1" name=""/>
         <p:cNvGrpSpPr/>
         <p:nvPr/>
@@ -17849,7 +17727,7 @@
             <a:fld id="{927AF202-8363-4A3F-874C-13259FD1A7E5}" type="slidenum">
               <a:rPr lang="en-US" smtClean="0"/>
               <a:pPr/>
-              <a:t>38</a:t>
+              <a:t>39</a:t>
             </a:fld>
             <a:endParaRPr lang="en-US"/>
           </a:p>
@@ -18081,7 +17959,150 @@
 </p:sld>
 </file>
 
-<file path=ppt/slides/slide39.xml><?xml version="1.0" encoding="utf-8"?>
+<file path=ppt/slides/slide4.xml><?xml version="1.0" encoding="utf-8"?>
+<p:sld xmlns:a="http://schemas.openxmlformats.org/drawingml/2006/main" xmlns:r="http://schemas.openxmlformats.org/officeDocument/2006/relationships" xmlns:p="http://schemas.openxmlformats.org/presentationml/2006/main">
+  <p:cSld>
+    <p:spTree>
+      <p:nvGrpSpPr>
+        <p:cNvPr id="1" name=""/>
+        <p:cNvGrpSpPr/>
+        <p:nvPr/>
+      </p:nvGrpSpPr>
+      <p:grpSpPr>
+        <a:xfrm>
+          <a:off x="0" y="0"/>
+          <a:ext cx="0" cy="0"/>
+          <a:chOff x="0" y="0"/>
+          <a:chExt cx="0" cy="0"/>
+        </a:xfrm>
+      </p:grpSpPr>
+      <p:sp>
+        <p:nvSpPr>
+          <p:cNvPr id="2" name="Title 1"/>
+          <p:cNvSpPr>
+            <a:spLocks noGrp="1"/>
+          </p:cNvSpPr>
+          <p:nvPr>
+            <p:ph type="title"/>
+          </p:nvPr>
+        </p:nvSpPr>
+        <p:spPr/>
+        <p:txBody>
+          <a:bodyPr/>
+          <a:lstStyle/>
+          <a:p>
+            <a:r>
+              <a:rPr lang="en-US" dirty="0"/>
+              <a:t>Question 223.13.0.5</a:t>
+            </a:r>
+          </a:p>
+        </p:txBody>
+      </p:sp>
+      <p:sp>
+        <p:nvSpPr>
+          <p:cNvPr id="3" name="Content Placeholder 2"/>
+          <p:cNvSpPr>
+            <a:spLocks noGrp="1"/>
+          </p:cNvSpPr>
+          <p:nvPr>
+            <p:ph idx="1"/>
+          </p:nvPr>
+        </p:nvSpPr>
+        <p:spPr/>
+        <p:txBody>
+          <a:bodyPr/>
+          <a:lstStyle/>
+          <a:p>
+            <a:pPr marL="0" indent="0">
+              <a:buNone/>
+            </a:pPr>
+            <a:r>
+              <a:rPr lang="en-US" dirty="0"/>
+              <a:t>I have radar waves (</a:t>
+            </a:r>
+            <a:r>
+              <a:rPr lang="en-US" dirty="0">
+                <a:sym typeface="Symbol"/>
+              </a:rPr>
+              <a:t> = </a:t>
+            </a:r>
+            <a:r>
+              <a:rPr lang="en-US" dirty="0"/>
+              <a:t>3.2cm) that illuminate a circular aperture with diameter of 2m. Will the wave nature of light be important?</a:t>
+            </a:r>
+          </a:p>
+          <a:p>
+            <a:pPr marL="514350" indent="-514350">
+              <a:buAutoNum type="alphaLcParenR"/>
+            </a:pPr>
+            <a:r>
+              <a:rPr lang="en-US" dirty="0"/>
+              <a:t>Yes</a:t>
+            </a:r>
+          </a:p>
+          <a:p>
+            <a:pPr marL="514350" indent="-514350">
+              <a:buAutoNum type="alphaLcParenR"/>
+            </a:pPr>
+            <a:r>
+              <a:rPr lang="en-US" dirty="0"/>
+              <a:t>No</a:t>
+            </a:r>
+          </a:p>
+          <a:p>
+            <a:pPr marL="514350" indent="-514350">
+              <a:buAutoNum type="alphaLcParenR"/>
+            </a:pPr>
+            <a:r>
+              <a:rPr lang="en-US" dirty="0"/>
+              <a:t>Maybe</a:t>
+            </a:r>
+          </a:p>
+        </p:txBody>
+      </p:sp>
+      <p:sp>
+        <p:nvSpPr>
+          <p:cNvPr id="4" name="Slide Number Placeholder 3"/>
+          <p:cNvSpPr>
+            <a:spLocks noGrp="1"/>
+          </p:cNvSpPr>
+          <p:nvPr>
+            <p:ph type="sldNum" sz="quarter" idx="12"/>
+          </p:nvPr>
+        </p:nvSpPr>
+        <p:spPr/>
+        <p:txBody>
+          <a:bodyPr/>
+          <a:lstStyle/>
+          <a:p>
+            <a:pPr>
+              <a:defRPr/>
+            </a:pPr>
+            <a:fld id="{64137B81-8888-4253-92EC-0AED2A590749}" type="slidenum">
+              <a:rPr lang="en-US" smtClean="0"/>
+              <a:pPr>
+                <a:defRPr/>
+              </a:pPr>
+              <a:t>4</a:t>
+            </a:fld>
+            <a:endParaRPr lang="en-US"/>
+          </a:p>
+        </p:txBody>
+      </p:sp>
+    </p:spTree>
+    <p:extLst>
+      <p:ext uri="{BB962C8B-B14F-4D97-AF65-F5344CB8AC3E}">
+        <p14:creationId xmlns:p14="http://schemas.microsoft.com/office/powerpoint/2010/main" val="369461738"/>
+      </p:ext>
+    </p:extLst>
+  </p:cSld>
+  <p:clrMapOvr>
+    <a:masterClrMapping/>
+  </p:clrMapOvr>
+</p:sld>
+</file>
+
+<file path=ppt/slides/slide40.xml><?xml version="1.0" encoding="utf-8"?>
 <p:sld xmlns:a="http://schemas.openxmlformats.org/drawingml/2006/main" xmlns:r="http://schemas.openxmlformats.org/officeDocument/2006/relationships" xmlns:p="http://schemas.openxmlformats.org/presentationml/2006/main">
   <p:cSld>
     <p:spTree>
@@ -18193,7 +18214,7 @@
             <a:fld id="{B018E07D-EBF8-4CC9-B550-C735294C19A8}" type="slidenum">
               <a:rPr lang="en-US" smtClean="0"/>
               <a:pPr/>
-              <a:t>39</a:t>
+              <a:t>40</a:t>
             </a:fld>
             <a:endParaRPr lang="en-US"/>
           </a:p>
@@ -37430,150 +37451,7 @@
 </p:sld>
 </file>
 
-<file path=ppt/slides/slide4.xml><?xml version="1.0" encoding="utf-8"?>
-<p:sld xmlns:a="http://schemas.openxmlformats.org/drawingml/2006/main" xmlns:r="http://schemas.openxmlformats.org/officeDocument/2006/relationships" xmlns:p="http://schemas.openxmlformats.org/presentationml/2006/main">
-  <p:cSld>
-    <p:spTree>
-      <p:nvGrpSpPr>
-        <p:cNvPr id="1" name=""/>
-        <p:cNvGrpSpPr/>
-        <p:nvPr/>
-      </p:nvGrpSpPr>
-      <p:grpSpPr>
-        <a:xfrm>
-          <a:off x="0" y="0"/>
-          <a:ext cx="0" cy="0"/>
-          <a:chOff x="0" y="0"/>
-          <a:chExt cx="0" cy="0"/>
-        </a:xfrm>
-      </p:grpSpPr>
-      <p:sp>
-        <p:nvSpPr>
-          <p:cNvPr id="2" name="Title 1"/>
-          <p:cNvSpPr>
-            <a:spLocks noGrp="1"/>
-          </p:cNvSpPr>
-          <p:nvPr>
-            <p:ph type="title"/>
-          </p:nvPr>
-        </p:nvSpPr>
-        <p:spPr/>
-        <p:txBody>
-          <a:bodyPr/>
-          <a:lstStyle/>
-          <a:p>
-            <a:r>
-              <a:rPr lang="en-US" dirty="0"/>
-              <a:t>Question 223.13.0.5</a:t>
-            </a:r>
-          </a:p>
-        </p:txBody>
-      </p:sp>
-      <p:sp>
-        <p:nvSpPr>
-          <p:cNvPr id="3" name="Content Placeholder 2"/>
-          <p:cNvSpPr>
-            <a:spLocks noGrp="1"/>
-          </p:cNvSpPr>
-          <p:nvPr>
-            <p:ph idx="1"/>
-          </p:nvPr>
-        </p:nvSpPr>
-        <p:spPr/>
-        <p:txBody>
-          <a:bodyPr/>
-          <a:lstStyle/>
-          <a:p>
-            <a:pPr marL="0" indent="0">
-              <a:buNone/>
-            </a:pPr>
-            <a:r>
-              <a:rPr lang="en-US" dirty="0"/>
-              <a:t>I have radar waves (</a:t>
-            </a:r>
-            <a:r>
-              <a:rPr lang="en-US" dirty="0">
-                <a:sym typeface="Symbol"/>
-              </a:rPr>
-              <a:t> = </a:t>
-            </a:r>
-            <a:r>
-              <a:rPr lang="en-US" dirty="0"/>
-              <a:t>3.2cm) that illuminate a circular aperture with diameter of 2m. Will the wave nature of light be important?</a:t>
-            </a:r>
-          </a:p>
-          <a:p>
-            <a:pPr marL="514350" indent="-514350">
-              <a:buAutoNum type="alphaLcParenR"/>
-            </a:pPr>
-            <a:r>
-              <a:rPr lang="en-US" dirty="0"/>
-              <a:t>Yes</a:t>
-            </a:r>
-          </a:p>
-          <a:p>
-            <a:pPr marL="514350" indent="-514350">
-              <a:buAutoNum type="alphaLcParenR"/>
-            </a:pPr>
-            <a:r>
-              <a:rPr lang="en-US" dirty="0"/>
-              <a:t>No</a:t>
-            </a:r>
-          </a:p>
-          <a:p>
-            <a:pPr marL="514350" indent="-514350">
-              <a:buAutoNum type="alphaLcParenR"/>
-            </a:pPr>
-            <a:r>
-              <a:rPr lang="en-US" dirty="0"/>
-              <a:t>Maybe</a:t>
-            </a:r>
-          </a:p>
-        </p:txBody>
-      </p:sp>
-      <p:sp>
-        <p:nvSpPr>
-          <p:cNvPr id="4" name="Slide Number Placeholder 3"/>
-          <p:cNvSpPr>
-            <a:spLocks noGrp="1"/>
-          </p:cNvSpPr>
-          <p:nvPr>
-            <p:ph type="sldNum" sz="quarter" idx="12"/>
-          </p:nvPr>
-        </p:nvSpPr>
-        <p:spPr/>
-        <p:txBody>
-          <a:bodyPr/>
-          <a:lstStyle/>
-          <a:p>
-            <a:pPr>
-              <a:defRPr/>
-            </a:pPr>
-            <a:fld id="{64137B81-8888-4253-92EC-0AED2A590749}" type="slidenum">
-              <a:rPr lang="en-US" smtClean="0"/>
-              <a:pPr>
-                <a:defRPr/>
-              </a:pPr>
-              <a:t>4</a:t>
-            </a:fld>
-            <a:endParaRPr lang="en-US"/>
-          </a:p>
-        </p:txBody>
-      </p:sp>
-    </p:spTree>
-    <p:extLst>
-      <p:ext uri="{BB962C8B-B14F-4D97-AF65-F5344CB8AC3E}">
-        <p14:creationId xmlns:p14="http://schemas.microsoft.com/office/powerpoint/2010/main" val="369461738"/>
-      </p:ext>
-    </p:extLst>
-  </p:cSld>
-  <p:clrMapOvr>
-    <a:masterClrMapping/>
-  </p:clrMapOvr>
-</p:sld>
-</file>
-
-<file path=ppt/slides/slide40.xml><?xml version="1.0" encoding="utf-8"?>
+<file path=ppt/slides/slide41.xml><?xml version="1.0" encoding="utf-8"?>
 <p:sld xmlns:a="http://schemas.openxmlformats.org/drawingml/2006/main" xmlns:r="http://schemas.openxmlformats.org/officeDocument/2006/relationships" xmlns:p="http://schemas.openxmlformats.org/presentationml/2006/main">
   <p:cSld>
     <p:spTree>
@@ -37864,7 +37742,7 @@
             <a:fld id="{AA4EF262-061D-45F6-88C8-74DD670CA05D}" type="slidenum">
               <a:rPr lang="en-US" smtClean="0"/>
               <a:pPr/>
-              <a:t>40</a:t>
+              <a:t>41</a:t>
             </a:fld>
             <a:endParaRPr lang="en-US"/>
           </a:p>
@@ -38094,7 +37972,7 @@
 </p:sld>
 </file>
 
-<file path=ppt/slides/slide41.xml><?xml version="1.0" encoding="utf-8"?>
+<file path=ppt/slides/slide42.xml><?xml version="1.0" encoding="utf-8"?>
 <p:sld xmlns:a="http://schemas.openxmlformats.org/drawingml/2006/main" xmlns:r="http://schemas.openxmlformats.org/officeDocument/2006/relationships" xmlns:p="http://schemas.openxmlformats.org/presentationml/2006/main">
   <p:cSld>
     <p:spTree>
@@ -38233,7 +38111,7 @@
               <a:pPr>
                 <a:defRPr/>
               </a:pPr>
-              <a:t>41</a:t>
+              <a:t>42</a:t>
             </a:fld>
             <a:endParaRPr lang="en-US"/>
           </a:p>
@@ -38280,7 +38158,7 @@
 </p:sld>
 </file>
 
-<file path=ppt/slides/slide42.xml><?xml version="1.0" encoding="utf-8"?>
+<file path=ppt/slides/slide43.xml><?xml version="1.0" encoding="utf-8"?>
 <p:sld xmlns:a="http://schemas.openxmlformats.org/drawingml/2006/main" xmlns:r="http://schemas.openxmlformats.org/officeDocument/2006/relationships" xmlns:p="http://schemas.openxmlformats.org/presentationml/2006/main">
   <p:cSld>
     <p:spTree>
@@ -38376,7 +38254,7 @@
 </p:sld>
 </file>
 
-<file path=ppt/slides/slide43.xml><?xml version="1.0" encoding="utf-8"?>
+<file path=ppt/slides/slide44.xml><?xml version="1.0" encoding="utf-8"?>
 <p:sld xmlns:a="http://schemas.openxmlformats.org/drawingml/2006/main" xmlns:r="http://schemas.openxmlformats.org/officeDocument/2006/relationships" xmlns:p="http://schemas.openxmlformats.org/presentationml/2006/main">
   <p:cSld>
     <p:spTree>
@@ -38522,7 +38400,7 @@
             <a:fld id="{7033E467-9952-4AFC-98DB-4FDBDEECF295}" type="slidenum">
               <a:rPr lang="en-US" smtClean="0"/>
               <a:pPr/>
-              <a:t>43</a:t>
+              <a:t>44</a:t>
             </a:fld>
             <a:endParaRPr lang="en-US"/>
           </a:p>
